--- a/scale.pptx
+++ b/scale.pptx
@@ -304,7 +304,7 @@
           <a:p>
             <a:fld id="{6BA5D40C-A8DC-479A-A5D3-E7B4936A184B}" type="datetimeFigureOut">
               <a:rPr lang="en-GB" smtClean="0"/>
-              <a:t>19/09/2019</a:t>
+              <a:t>20/09/2019</a:t>
             </a:fld>
             <a:endParaRPr lang="en-GB"/>
           </a:p>
@@ -474,7 +474,7 @@
           <a:p>
             <a:fld id="{6BA5D40C-A8DC-479A-A5D3-E7B4936A184B}" type="datetimeFigureOut">
               <a:rPr lang="en-GB" smtClean="0"/>
-              <a:t>19/09/2019</a:t>
+              <a:t>20/09/2019</a:t>
             </a:fld>
             <a:endParaRPr lang="en-GB"/>
           </a:p>
@@ -654,7 +654,7 @@
           <a:p>
             <a:fld id="{6BA5D40C-A8DC-479A-A5D3-E7B4936A184B}" type="datetimeFigureOut">
               <a:rPr lang="en-GB" smtClean="0"/>
-              <a:t>19/09/2019</a:t>
+              <a:t>20/09/2019</a:t>
             </a:fld>
             <a:endParaRPr lang="en-GB"/>
           </a:p>
@@ -824,7 +824,7 @@
           <a:p>
             <a:fld id="{6BA5D40C-A8DC-479A-A5D3-E7B4936A184B}" type="datetimeFigureOut">
               <a:rPr lang="en-GB" smtClean="0"/>
-              <a:t>19/09/2019</a:t>
+              <a:t>20/09/2019</a:t>
             </a:fld>
             <a:endParaRPr lang="en-GB"/>
           </a:p>
@@ -1070,7 +1070,7 @@
           <a:p>
             <a:fld id="{6BA5D40C-A8DC-479A-A5D3-E7B4936A184B}" type="datetimeFigureOut">
               <a:rPr lang="en-GB" smtClean="0"/>
-              <a:t>19/09/2019</a:t>
+              <a:t>20/09/2019</a:t>
             </a:fld>
             <a:endParaRPr lang="en-GB"/>
           </a:p>
@@ -1358,7 +1358,7 @@
           <a:p>
             <a:fld id="{6BA5D40C-A8DC-479A-A5D3-E7B4936A184B}" type="datetimeFigureOut">
               <a:rPr lang="en-GB" smtClean="0"/>
-              <a:t>19/09/2019</a:t>
+              <a:t>20/09/2019</a:t>
             </a:fld>
             <a:endParaRPr lang="en-GB"/>
           </a:p>
@@ -1785,7 +1785,7 @@
           <a:p>
             <a:fld id="{6BA5D40C-A8DC-479A-A5D3-E7B4936A184B}" type="datetimeFigureOut">
               <a:rPr lang="en-GB" smtClean="0"/>
-              <a:t>19/09/2019</a:t>
+              <a:t>20/09/2019</a:t>
             </a:fld>
             <a:endParaRPr lang="en-GB"/>
           </a:p>
@@ -1903,7 +1903,7 @@
           <a:p>
             <a:fld id="{6BA5D40C-A8DC-479A-A5D3-E7B4936A184B}" type="datetimeFigureOut">
               <a:rPr lang="en-GB" smtClean="0"/>
-              <a:t>19/09/2019</a:t>
+              <a:t>20/09/2019</a:t>
             </a:fld>
             <a:endParaRPr lang="en-GB"/>
           </a:p>
@@ -1998,7 +1998,7 @@
           <a:p>
             <a:fld id="{6BA5D40C-A8DC-479A-A5D3-E7B4936A184B}" type="datetimeFigureOut">
               <a:rPr lang="en-GB" smtClean="0"/>
-              <a:t>19/09/2019</a:t>
+              <a:t>20/09/2019</a:t>
             </a:fld>
             <a:endParaRPr lang="en-GB"/>
           </a:p>
@@ -2275,7 +2275,7 @@
           <a:p>
             <a:fld id="{6BA5D40C-A8DC-479A-A5D3-E7B4936A184B}" type="datetimeFigureOut">
               <a:rPr lang="en-GB" smtClean="0"/>
-              <a:t>19/09/2019</a:t>
+              <a:t>20/09/2019</a:t>
             </a:fld>
             <a:endParaRPr lang="en-GB"/>
           </a:p>
@@ -2528,7 +2528,7 @@
           <a:p>
             <a:fld id="{6BA5D40C-A8DC-479A-A5D3-E7B4936A184B}" type="datetimeFigureOut">
               <a:rPr lang="en-GB" smtClean="0"/>
-              <a:t>19/09/2019</a:t>
+              <a:t>20/09/2019</a:t>
             </a:fld>
             <a:endParaRPr lang="en-GB"/>
           </a:p>
@@ -2741,7 +2741,7 @@
           <a:p>
             <a:fld id="{6BA5D40C-A8DC-479A-A5D3-E7B4936A184B}" type="datetimeFigureOut">
               <a:rPr lang="en-GB" smtClean="0"/>
-              <a:t>19/09/2019</a:t>
+              <a:t>20/09/2019</a:t>
             </a:fld>
             <a:endParaRPr lang="en-GB"/>
           </a:p>
@@ -3124,10 +3124,10 @@
         </p:nvGrpSpPr>
         <p:grpSpPr>
           <a:xfrm>
-            <a:off x="9159081" y="3857625"/>
-            <a:ext cx="1019544" cy="2823698"/>
-            <a:chOff x="7406481" y="2486025"/>
-            <a:chExt cx="1019544" cy="2823698"/>
+            <a:off x="7581995" y="2435085"/>
+            <a:ext cx="1057019" cy="2874638"/>
+            <a:chOff x="7581995" y="2435085"/>
+            <a:chExt cx="1057019" cy="2874638"/>
           </a:xfrm>
         </p:grpSpPr>
         <p:sp>
@@ -3138,7 +3138,7 @@
           </p:nvSpPr>
           <p:spPr>
             <a:xfrm>
-              <a:off x="7406481" y="2486025"/>
+              <a:off x="7619470" y="2435085"/>
               <a:ext cx="415518" cy="415518"/>
             </a:xfrm>
             <a:prstGeom prst="ellipse">
@@ -3169,7 +3169,7 @@
           </p:nvSpPr>
           <p:spPr>
             <a:xfrm>
-              <a:off x="7953829" y="2651056"/>
+              <a:off x="8166818" y="2600116"/>
               <a:ext cx="472196" cy="82728"/>
             </a:xfrm>
             <a:prstGeom prst="rect">
@@ -3215,7 +3215,7 @@
           </p:nvSpPr>
           <p:spPr>
             <a:xfrm>
-              <a:off x="7410545" y="2976601"/>
+              <a:off x="7581995" y="2976601"/>
               <a:ext cx="900751" cy="131105"/>
             </a:xfrm>
             <a:prstGeom prst="rect">
@@ -3261,7 +3261,7 @@
           </p:nvSpPr>
           <p:spPr>
             <a:xfrm>
-              <a:off x="7410545" y="3155240"/>
+              <a:off x="7581995" y="3155240"/>
               <a:ext cx="1001569" cy="103342"/>
             </a:xfrm>
             <a:prstGeom prst="rect">
@@ -3307,7 +3307,7 @@
           </p:nvSpPr>
           <p:spPr>
             <a:xfrm>
-              <a:off x="7410545" y="3307821"/>
+              <a:off x="7581995" y="3307821"/>
               <a:ext cx="745362" cy="101637"/>
             </a:xfrm>
             <a:prstGeom prst="rect">
@@ -3353,7 +3353,7 @@
           </p:nvSpPr>
           <p:spPr>
             <a:xfrm>
-              <a:off x="7410545" y="3456924"/>
+              <a:off x="7581995" y="3456924"/>
               <a:ext cx="698909" cy="103410"/>
             </a:xfrm>
             <a:prstGeom prst="rect">
@@ -3399,7 +3399,7 @@
           </p:nvSpPr>
           <p:spPr>
             <a:xfrm>
-              <a:off x="7448020" y="3629025"/>
+              <a:off x="7619470" y="3629025"/>
               <a:ext cx="144506" cy="144506"/>
             </a:xfrm>
             <a:prstGeom prst="ellipse">
@@ -3436,7 +3436,7 @@
           </p:nvSpPr>
           <p:spPr>
             <a:xfrm>
-              <a:off x="7448020" y="3848481"/>
+              <a:off x="7619470" y="3848481"/>
               <a:ext cx="144506" cy="144506"/>
             </a:xfrm>
             <a:prstGeom prst="ellipse">
@@ -3473,7 +3473,118 @@
           </p:nvSpPr>
           <p:spPr>
             <a:xfrm>
-              <a:off x="7448020" y="4067937"/>
+              <a:off x="7619470" y="4067937"/>
+              <a:ext cx="144506" cy="144506"/>
+            </a:xfrm>
+            <a:prstGeom prst="ellipse">
+              <a:avLst/>
+            </a:prstGeom>
+            <a:solidFill>
+              <a:srgbClr val="B06C96">
+                <a:alpha val="100000"/>
+              </a:srgbClr>
+            </a:solidFill>
+            <a:ln w="9000" cap="rnd">
+              <a:solidFill>
+                <a:srgbClr val="B06C96">
+                  <a:alpha val="100000"/>
+                </a:srgbClr>
+              </a:solidFill>
+              <a:prstDash val="solid"/>
+              <a:round/>
+            </a:ln>
+          </p:spPr>
+          <p:txBody>
+            <a:bodyPr/>
+            <a:lstStyle/>
+            <a:p>
+              <a:endParaRPr/>
+            </a:p>
+          </p:txBody>
+        </p:sp>
+        <p:sp>
+          <p:nvSpPr>
+            <p:cNvPr id="25" name="pt25"/>
+            <p:cNvSpPr/>
+            <p:nvPr/>
+          </p:nvSpPr>
+          <p:spPr>
+            <a:xfrm>
+              <a:off x="7619470" y="4287393"/>
+              <a:ext cx="144506" cy="144506"/>
+            </a:xfrm>
+            <a:prstGeom prst="ellipse">
+              <a:avLst/>
+            </a:prstGeom>
+            <a:solidFill>
+              <a:srgbClr val="003865">
+                <a:alpha val="100000"/>
+              </a:srgbClr>
+            </a:solidFill>
+            <a:ln w="9000" cap="rnd">
+              <a:solidFill>
+                <a:srgbClr val="003865">
+                  <a:alpha val="100000"/>
+                </a:srgbClr>
+              </a:solidFill>
+              <a:prstDash val="solid"/>
+              <a:round/>
+            </a:ln>
+          </p:spPr>
+          <p:txBody>
+            <a:bodyPr/>
+            <a:lstStyle/>
+            <a:p>
+              <a:endParaRPr/>
+            </a:p>
+          </p:txBody>
+        </p:sp>
+        <p:sp>
+          <p:nvSpPr>
+            <p:cNvPr id="26" name="pt26"/>
+            <p:cNvSpPr/>
+            <p:nvPr/>
+          </p:nvSpPr>
+          <p:spPr>
+            <a:xfrm>
+              <a:off x="7619470" y="4506849"/>
+              <a:ext cx="144506" cy="144506"/>
+            </a:xfrm>
+            <a:prstGeom prst="ellipse">
+              <a:avLst/>
+            </a:prstGeom>
+            <a:solidFill>
+              <a:srgbClr val="BE4D00">
+                <a:alpha val="100000"/>
+              </a:srgbClr>
+            </a:solidFill>
+            <a:ln w="9000" cap="rnd">
+              <a:solidFill>
+                <a:srgbClr val="BE4D00">
+                  <a:alpha val="100000"/>
+                </a:srgbClr>
+              </a:solidFill>
+              <a:prstDash val="solid"/>
+              <a:round/>
+            </a:ln>
+          </p:spPr>
+          <p:txBody>
+            <a:bodyPr/>
+            <a:lstStyle/>
+            <a:p>
+              <a:endParaRPr/>
+            </a:p>
+          </p:txBody>
+        </p:sp>
+        <p:sp>
+          <p:nvSpPr>
+            <p:cNvPr id="27" name="pt27"/>
+            <p:cNvSpPr/>
+            <p:nvPr/>
+          </p:nvSpPr>
+          <p:spPr>
+            <a:xfrm>
+              <a:off x="7619470" y="4726305"/>
               <a:ext cx="144506" cy="144506"/>
             </a:xfrm>
             <a:prstGeom prst="ellipse">
@@ -3504,137 +3615,26 @@
         </p:sp>
         <p:sp>
           <p:nvSpPr>
-            <p:cNvPr id="25" name="pt25"/>
+            <p:cNvPr id="28" name="pt28"/>
             <p:cNvSpPr/>
             <p:nvPr/>
           </p:nvSpPr>
           <p:spPr>
             <a:xfrm>
-              <a:off x="7448020" y="4287393"/>
+              <a:off x="7619470" y="4945761"/>
               <a:ext cx="144506" cy="144506"/>
             </a:xfrm>
             <a:prstGeom prst="ellipse">
               <a:avLst/>
             </a:prstGeom>
             <a:solidFill>
-              <a:srgbClr val="7D2239">
+              <a:srgbClr val="385A4F">
                 <a:alpha val="100000"/>
               </a:srgbClr>
             </a:solidFill>
             <a:ln w="9000" cap="rnd">
               <a:solidFill>
-                <a:srgbClr val="7D2239">
-                  <a:alpha val="100000"/>
-                </a:srgbClr>
-              </a:solidFill>
-              <a:prstDash val="solid"/>
-              <a:round/>
-            </a:ln>
-          </p:spPr>
-          <p:txBody>
-            <a:bodyPr/>
-            <a:lstStyle/>
-            <a:p>
-              <a:endParaRPr/>
-            </a:p>
-          </p:txBody>
-        </p:sp>
-        <p:sp>
-          <p:nvSpPr>
-            <p:cNvPr id="26" name="pt26"/>
-            <p:cNvSpPr/>
-            <p:nvPr/>
-          </p:nvSpPr>
-          <p:spPr>
-            <a:xfrm>
-              <a:off x="7448020" y="4506849"/>
-              <a:ext cx="144506" cy="144506"/>
-            </a:xfrm>
-            <a:prstGeom prst="ellipse">
-              <a:avLst/>
-            </a:prstGeom>
-            <a:solidFill>
-              <a:srgbClr val="003865">
-                <a:alpha val="100000"/>
-              </a:srgbClr>
-            </a:solidFill>
-            <a:ln w="9000" cap="rnd">
-              <a:solidFill>
-                <a:srgbClr val="003865">
-                  <a:alpha val="100000"/>
-                </a:srgbClr>
-              </a:solidFill>
-              <a:prstDash val="solid"/>
-              <a:round/>
-            </a:ln>
-          </p:spPr>
-          <p:txBody>
-            <a:bodyPr/>
-            <a:lstStyle/>
-            <a:p>
-              <a:endParaRPr/>
-            </a:p>
-          </p:txBody>
-        </p:sp>
-        <p:sp>
-          <p:nvSpPr>
-            <p:cNvPr id="27" name="pt27"/>
-            <p:cNvSpPr/>
-            <p:nvPr/>
-          </p:nvSpPr>
-          <p:spPr>
-            <a:xfrm>
-              <a:off x="7448020" y="4726305"/>
-              <a:ext cx="144506" cy="144506"/>
-            </a:xfrm>
-            <a:prstGeom prst="ellipse">
-              <a:avLst/>
-            </a:prstGeom>
-            <a:solidFill>
-              <a:srgbClr val="0075B0">
-                <a:alpha val="100000"/>
-              </a:srgbClr>
-            </a:solidFill>
-            <a:ln w="9000" cap="rnd">
-              <a:solidFill>
-                <a:srgbClr val="0075B0">
-                  <a:alpha val="100000"/>
-                </a:srgbClr>
-              </a:solidFill>
-              <a:prstDash val="solid"/>
-              <a:round/>
-            </a:ln>
-          </p:spPr>
-          <p:txBody>
-            <a:bodyPr/>
-            <a:lstStyle/>
-            <a:p>
-              <a:endParaRPr/>
-            </a:p>
-          </p:txBody>
-        </p:sp>
-        <p:sp>
-          <p:nvSpPr>
-            <p:cNvPr id="28" name="pt28"/>
-            <p:cNvSpPr/>
-            <p:nvPr/>
-          </p:nvSpPr>
-          <p:spPr>
-            <a:xfrm>
-              <a:off x="7448020" y="4945761"/>
-              <a:ext cx="144506" cy="144506"/>
-            </a:xfrm>
-            <a:prstGeom prst="ellipse">
-              <a:avLst/>
-            </a:prstGeom>
-            <a:solidFill>
-              <a:srgbClr val="BE4D00">
-                <a:alpha val="100000"/>
-              </a:srgbClr>
-            </a:solidFill>
-            <a:ln w="9000" cap="rnd">
-              <a:solidFill>
-                <a:srgbClr val="BE4D00">
+                <a:srgbClr val="385A4F">
                   <a:alpha val="100000"/>
                 </a:srgbClr>
               </a:solidFill>
@@ -3658,7 +3658,7 @@
           </p:nvSpPr>
           <p:spPr>
             <a:xfrm>
-              <a:off x="7448020" y="5165217"/>
+              <a:off x="7619470" y="5165217"/>
               <a:ext cx="144506" cy="144506"/>
             </a:xfrm>
             <a:prstGeom prst="ellipse">
@@ -3695,7 +3695,7 @@
           </p:nvSpPr>
           <p:spPr>
             <a:xfrm>
-              <a:off x="7699590" y="3660951"/>
+              <a:off x="7871040" y="3660951"/>
               <a:ext cx="62155" cy="80327"/>
             </a:xfrm>
             <a:prstGeom prst="rect">
@@ -3741,7 +3741,7 @@
           </p:nvSpPr>
           <p:spPr>
             <a:xfrm>
-              <a:off x="7699590" y="3880407"/>
+              <a:off x="7871040" y="3880407"/>
               <a:ext cx="62155" cy="80327"/>
             </a:xfrm>
             <a:prstGeom prst="rect">
@@ -3787,7 +3787,7 @@
           </p:nvSpPr>
           <p:spPr>
             <a:xfrm>
-              <a:off x="7699590" y="4098444"/>
+              <a:off x="7871040" y="4098444"/>
               <a:ext cx="62155" cy="81746"/>
             </a:xfrm>
             <a:prstGeom prst="rect">
@@ -3833,7 +3833,7 @@
           </p:nvSpPr>
           <p:spPr>
             <a:xfrm>
-              <a:off x="7699590" y="4319646"/>
+              <a:off x="7871040" y="4319646"/>
               <a:ext cx="62155" cy="80000"/>
             </a:xfrm>
             <a:prstGeom prst="rect">
@@ -3879,7 +3879,7 @@
           </p:nvSpPr>
           <p:spPr>
             <a:xfrm>
-              <a:off x="7699590" y="4538830"/>
+              <a:off x="7871040" y="4538830"/>
               <a:ext cx="62155" cy="80272"/>
             </a:xfrm>
             <a:prstGeom prst="rect">
@@ -3925,7 +3925,7 @@
           </p:nvSpPr>
           <p:spPr>
             <a:xfrm>
-              <a:off x="7699590" y="4756867"/>
+              <a:off x="7871040" y="4756867"/>
               <a:ext cx="62155" cy="81691"/>
             </a:xfrm>
             <a:prstGeom prst="rect">
@@ -3971,7 +3971,7 @@
           </p:nvSpPr>
           <p:spPr>
             <a:xfrm>
-              <a:off x="7699590" y="4979051"/>
+              <a:off x="7871040" y="4979051"/>
               <a:ext cx="62155" cy="78963"/>
             </a:xfrm>
             <a:prstGeom prst="rect">
@@ -4017,7 +4017,7 @@
           </p:nvSpPr>
           <p:spPr>
             <a:xfrm>
-              <a:off x="7699590" y="5195779"/>
+              <a:off x="7871040" y="5195779"/>
               <a:ext cx="62155" cy="81691"/>
             </a:xfrm>
             <a:prstGeom prst="rect">
